--- a/notes/Presentation.pptx
+++ b/notes/Presentation.pptx
@@ -5,13 +5,14 @@
     <p:sldMasterId id="2147483648" r:id="rId1"/>
   </p:sldMasterIdLst>
   <p:notesMasterIdLst>
-    <p:notesMasterId r:id="rId4"/>
+    <p:notesMasterId r:id="rId5"/>
   </p:notesMasterIdLst>
   <p:handoutMasterIdLst>
-    <p:handoutMasterId r:id="rId5"/>
+    <p:handoutMasterId r:id="rId6"/>
   </p:handoutMasterIdLst>
   <p:sldIdLst>
     <p:sldId id="256" r:id="rId3"/>
+    <p:sldId id="257" r:id="rId4"/>
   </p:sldIdLst>
   <p:sldSz cx="12192000" cy="6858000"/>
   <p:notesSz cx="7103745" cy="10234295"/>
@@ -3529,42 +3530,373 @@
         <p:nvPr/>
       </p:nvGrpSpPr>
       <p:grpSpPr/>
-      <p:sp>
-        <p:nvSpPr>
-          <p:cNvPr id="2" name="Title 1"/>
-          <p:cNvSpPr>
-            <a:spLocks noGrp="1"/>
-          </p:cNvSpPr>
-          <p:nvPr>
-            <p:ph type="ctrTitle"/>
-          </p:nvPr>
-        </p:nvSpPr>
-        <p:spPr/>
-        <p:txBody>
-          <a:bodyPr/>
-          <a:p>
-            <a:endParaRPr lang="en-US"/>
-          </a:p>
-        </p:txBody>
-      </p:sp>
-      <p:sp>
-        <p:nvSpPr>
-          <p:cNvPr id="3" name="Subtitle 2"/>
-          <p:cNvSpPr>
-            <a:spLocks noGrp="1"/>
-          </p:cNvSpPr>
-          <p:nvPr>
-            <p:ph type="subTitle" idx="1"/>
-          </p:nvPr>
-        </p:nvSpPr>
-        <p:spPr/>
-        <p:txBody>
-          <a:bodyPr/>
-          <a:p>
-            <a:endParaRPr lang="en-US"/>
-          </a:p>
-        </p:txBody>
-      </p:sp>
+      <p:pic>
+        <p:nvPicPr>
+          <p:cNvPr id="5" name="Picture 4" descr="RF_rfimp_tuned"/>
+          <p:cNvPicPr>
+            <a:picLocks noChangeAspect="1"/>
+          </p:cNvPicPr>
+          <p:nvPr/>
+        </p:nvPicPr>
+        <p:blipFill>
+          <a:blip r:embed="rId1"/>
+          <a:stretch>
+            <a:fillRect/>
+          </a:stretch>
+        </p:blipFill>
+        <p:spPr>
+          <a:xfrm>
+            <a:off x="1248410" y="1465580"/>
+            <a:ext cx="4808220" cy="4121150"/>
+          </a:xfrm>
+          <a:prstGeom prst="rect">
+            <a:avLst/>
+          </a:prstGeom>
+        </p:spPr>
+      </p:pic>
+      <p:sp>
+        <p:nvSpPr>
+          <p:cNvPr id="6" name="Text Box 5"/>
+          <p:cNvSpPr txBox="1"/>
+          <p:nvPr/>
+        </p:nvSpPr>
+        <p:spPr>
+          <a:xfrm>
+            <a:off x="1073785" y="5809615"/>
+            <a:ext cx="4712335" cy="521970"/>
+          </a:xfrm>
+          <a:prstGeom prst="rect">
+            <a:avLst/>
+          </a:prstGeom>
+          <a:noFill/>
+        </p:spPr>
+        <p:txBody>
+          <a:bodyPr wrap="square" rtlCol="0">
+            <a:spAutoFit/>
+          </a:bodyPr>
+          <a:p>
+            <a:pPr algn="ctr"/>
+            <a:r>
+              <a:rPr lang="en-IN" altLang="en-US" sz="1400">
+                <a:latin typeface="Liberation Mono" panose="02070409020205020404" charset="0"/>
+                <a:cs typeface="Liberation Mono" panose="02070409020205020404" charset="0"/>
+              </a:rPr>
+              <a:t>RF Classifier Tuned for Iterative Imputation</a:t>
+            </a:r>
+            <a:endParaRPr lang="en-IN" altLang="en-US" sz="1400">
+              <a:latin typeface="Liberation Mono" panose="02070409020205020404" charset="0"/>
+              <a:cs typeface="Liberation Mono" panose="02070409020205020404" charset="0"/>
+            </a:endParaRPr>
+          </a:p>
+        </p:txBody>
+      </p:sp>
+      <p:sp>
+        <p:nvSpPr>
+          <p:cNvPr id="7" name="Text Box 6"/>
+          <p:cNvSpPr txBox="1"/>
+          <p:nvPr/>
+        </p:nvSpPr>
+        <p:spPr>
+          <a:xfrm>
+            <a:off x="6633845" y="5809615"/>
+            <a:ext cx="4712335" cy="306705"/>
+          </a:xfrm>
+          <a:prstGeom prst="rect">
+            <a:avLst/>
+          </a:prstGeom>
+          <a:noFill/>
+        </p:spPr>
+        <p:txBody>
+          <a:bodyPr wrap="square" rtlCol="0">
+            <a:spAutoFit/>
+          </a:bodyPr>
+          <a:p>
+            <a:pPr algn="ctr"/>
+            <a:r>
+              <a:rPr lang="en-IN" altLang="en-US" sz="1400">
+                <a:latin typeface="Liberation Mono" panose="02070409020205020404" charset="0"/>
+                <a:cs typeface="Liberation Mono" panose="02070409020205020404" charset="0"/>
+              </a:rPr>
+              <a:t>RF Classifier Tuned for Mode Imputation</a:t>
+            </a:r>
+            <a:endParaRPr lang="en-IN" altLang="en-US" sz="1400">
+              <a:latin typeface="Liberation Mono" panose="02070409020205020404" charset="0"/>
+              <a:cs typeface="Liberation Mono" panose="02070409020205020404" charset="0"/>
+            </a:endParaRPr>
+          </a:p>
+        </p:txBody>
+      </p:sp>
+      <p:sp>
+        <p:nvSpPr>
+          <p:cNvPr id="9" name="Text Box 8"/>
+          <p:cNvSpPr txBox="1"/>
+          <p:nvPr/>
+        </p:nvSpPr>
+        <p:spPr>
+          <a:xfrm>
+            <a:off x="556895" y="615950"/>
+            <a:ext cx="6191885" cy="521970"/>
+          </a:xfrm>
+          <a:prstGeom prst="rect">
+            <a:avLst/>
+          </a:prstGeom>
+          <a:noFill/>
+        </p:spPr>
+        <p:txBody>
+          <a:bodyPr wrap="square" rtlCol="0">
+            <a:spAutoFit/>
+          </a:bodyPr>
+          <a:p>
+            <a:pPr algn="l"/>
+            <a:r>
+              <a:rPr lang="en-IN" altLang="en-US" sz="2800">
+                <a:latin typeface="Liberation Mono" panose="02070409020205020404" charset="0"/>
+                <a:cs typeface="Liberation Mono" panose="02070409020205020404" charset="0"/>
+              </a:rPr>
+              <a:t>Imputation Issue</a:t>
+            </a:r>
+            <a:endParaRPr lang="en-IN" altLang="en-US" sz="2800">
+              <a:latin typeface="Liberation Mono" panose="02070409020205020404" charset="0"/>
+              <a:cs typeface="Liberation Mono" panose="02070409020205020404" charset="0"/>
+            </a:endParaRPr>
+          </a:p>
+        </p:txBody>
+      </p:sp>
+      <p:cxnSp>
+        <p:nvCxnSpPr>
+          <p:cNvPr id="10" name="Straight Connector 9"/>
+          <p:cNvCxnSpPr/>
+          <p:nvPr/>
+        </p:nvCxnSpPr>
+        <p:spPr>
+          <a:xfrm>
+            <a:off x="6120765" y="1360805"/>
+            <a:ext cx="0" cy="5097780"/>
+          </a:xfrm>
+          <a:prstGeom prst="line">
+            <a:avLst/>
+          </a:prstGeom>
+        </p:spPr>
+        <p:style>
+          <a:lnRef idx="3">
+            <a:schemeClr val="dk1"/>
+          </a:lnRef>
+          <a:fillRef idx="0">
+            <a:schemeClr val="dk1"/>
+          </a:fillRef>
+          <a:effectRef idx="2">
+            <a:schemeClr val="dk1"/>
+          </a:effectRef>
+          <a:fontRef idx="minor">
+            <a:schemeClr val="tx1"/>
+          </a:fontRef>
+        </p:style>
+      </p:cxnSp>
+      <p:pic>
+        <p:nvPicPr>
+          <p:cNvPr id="12" name="Picture 11" descr="RF_mod_tuned"/>
+          <p:cNvPicPr>
+            <a:picLocks noChangeAspect="1"/>
+          </p:cNvPicPr>
+          <p:nvPr/>
+        </p:nvPicPr>
+        <p:blipFill>
+          <a:blip r:embed="rId2"/>
+          <a:srcRect t="10927"/>
+          <a:stretch>
+            <a:fillRect/>
+          </a:stretch>
+        </p:blipFill>
+        <p:spPr>
+          <a:xfrm>
+            <a:off x="6810375" y="1966595"/>
+            <a:ext cx="4656455" cy="3556000"/>
+          </a:xfrm>
+          <a:prstGeom prst="rect">
+            <a:avLst/>
+          </a:prstGeom>
+        </p:spPr>
+      </p:pic>
+    </p:spTree>
+  </p:cSld>
+  <p:clrMapOvr>
+    <a:masterClrMapping/>
+  </p:clrMapOvr>
+</p:sld>
+</file>
+
+<file path=ppt/slides/slide2.xml><?xml version="1.0" encoding="utf-8"?>
+<p:sld xmlns:a="http://schemas.openxmlformats.org/drawingml/2006/main" xmlns:r="http://schemas.openxmlformats.org/officeDocument/2006/relationships" xmlns:p="http://schemas.openxmlformats.org/presentationml/2006/main">
+  <p:cSld>
+    <p:spTree>
+      <p:nvGrpSpPr>
+        <p:cNvPr id="1" name=""/>
+        <p:cNvGrpSpPr/>
+        <p:nvPr/>
+      </p:nvGrpSpPr>
+      <p:grpSpPr/>
+      <p:sp>
+        <p:nvSpPr>
+          <p:cNvPr id="6" name="Text Box 5"/>
+          <p:cNvSpPr txBox="1"/>
+          <p:nvPr/>
+        </p:nvSpPr>
+        <p:spPr>
+          <a:xfrm>
+            <a:off x="1073785" y="5809615"/>
+            <a:ext cx="4712335" cy="521970"/>
+          </a:xfrm>
+          <a:prstGeom prst="rect">
+            <a:avLst/>
+          </a:prstGeom>
+          <a:noFill/>
+        </p:spPr>
+        <p:txBody>
+          <a:bodyPr wrap="square" rtlCol="0">
+            <a:spAutoFit/>
+          </a:bodyPr>
+          <a:p>
+            <a:pPr algn="ctr"/>
+            <a:r>
+              <a:rPr lang="en-IN" altLang="en-US" sz="1400">
+                <a:latin typeface="Liberation Mono" panose="02070409020205020404" charset="0"/>
+                <a:cs typeface="Liberation Mono" panose="02070409020205020404" charset="0"/>
+              </a:rPr>
+              <a:t>RF Classifier Tuned for Iterative Imputation</a:t>
+            </a:r>
+            <a:endParaRPr lang="en-IN" altLang="en-US" sz="1400">
+              <a:latin typeface="Liberation Mono" panose="02070409020205020404" charset="0"/>
+              <a:cs typeface="Liberation Mono" panose="02070409020205020404" charset="0"/>
+            </a:endParaRPr>
+          </a:p>
+        </p:txBody>
+      </p:sp>
+      <p:sp>
+        <p:nvSpPr>
+          <p:cNvPr id="7" name="Text Box 6"/>
+          <p:cNvSpPr txBox="1"/>
+          <p:nvPr/>
+        </p:nvSpPr>
+        <p:spPr>
+          <a:xfrm>
+            <a:off x="6633845" y="5809615"/>
+            <a:ext cx="4712335" cy="306705"/>
+          </a:xfrm>
+          <a:prstGeom prst="rect">
+            <a:avLst/>
+          </a:prstGeom>
+          <a:noFill/>
+        </p:spPr>
+        <p:txBody>
+          <a:bodyPr wrap="square" rtlCol="0">
+            <a:spAutoFit/>
+          </a:bodyPr>
+          <a:p>
+            <a:pPr algn="ctr"/>
+            <a:r>
+              <a:rPr lang="en-IN" altLang="en-US" sz="1400">
+                <a:latin typeface="Liberation Mono" panose="02070409020205020404" charset="0"/>
+                <a:cs typeface="Liberation Mono" panose="02070409020205020404" charset="0"/>
+              </a:rPr>
+              <a:t>RF Classifier Tuned for Mode Imputation</a:t>
+            </a:r>
+            <a:endParaRPr lang="en-IN" altLang="en-US" sz="1400">
+              <a:latin typeface="Liberation Mono" panose="02070409020205020404" charset="0"/>
+              <a:cs typeface="Liberation Mono" panose="02070409020205020404" charset="0"/>
+            </a:endParaRPr>
+          </a:p>
+        </p:txBody>
+      </p:sp>
+      <p:sp>
+        <p:nvSpPr>
+          <p:cNvPr id="9" name="Text Box 8"/>
+          <p:cNvSpPr txBox="1"/>
+          <p:nvPr/>
+        </p:nvSpPr>
+        <p:spPr>
+          <a:xfrm>
+            <a:off x="556895" y="615950"/>
+            <a:ext cx="6191885" cy="521970"/>
+          </a:xfrm>
+          <a:prstGeom prst="rect">
+            <a:avLst/>
+          </a:prstGeom>
+          <a:noFill/>
+        </p:spPr>
+        <p:txBody>
+          <a:bodyPr wrap="square" rtlCol="0">
+            <a:spAutoFit/>
+          </a:bodyPr>
+          <a:p>
+            <a:pPr algn="l"/>
+            <a:r>
+              <a:rPr lang="en-IN" altLang="en-US" sz="2800">
+                <a:latin typeface="Liberation Mono" panose="02070409020205020404" charset="0"/>
+                <a:cs typeface="Liberation Mono" panose="02070409020205020404" charset="0"/>
+              </a:rPr>
+              <a:t>RF -&gt; GB</a:t>
+            </a:r>
+            <a:endParaRPr lang="en-IN" altLang="en-US" sz="2800">
+              <a:latin typeface="Liberation Mono" panose="02070409020205020404" charset="0"/>
+              <a:cs typeface="Liberation Mono" panose="02070409020205020404" charset="0"/>
+            </a:endParaRPr>
+          </a:p>
+        </p:txBody>
+      </p:sp>
+      <p:cxnSp>
+        <p:nvCxnSpPr>
+          <p:cNvPr id="10" name="Straight Connector 9"/>
+          <p:cNvCxnSpPr/>
+          <p:nvPr/>
+        </p:nvCxnSpPr>
+        <p:spPr>
+          <a:xfrm>
+            <a:off x="6120765" y="1360805"/>
+            <a:ext cx="0" cy="5097780"/>
+          </a:xfrm>
+          <a:prstGeom prst="line">
+            <a:avLst/>
+          </a:prstGeom>
+        </p:spPr>
+        <p:style>
+          <a:lnRef idx="3">
+            <a:schemeClr val="dk1"/>
+          </a:lnRef>
+          <a:fillRef idx="0">
+            <a:schemeClr val="dk1"/>
+          </a:fillRef>
+          <a:effectRef idx="2">
+            <a:schemeClr val="dk1"/>
+          </a:effectRef>
+          <a:fontRef idx="minor">
+            <a:schemeClr val="tx1"/>
+          </a:fontRef>
+        </p:style>
+      </p:cxnSp>
+      <p:pic>
+        <p:nvPicPr>
+          <p:cNvPr id="2" name="Picture 1" descr="RF_mod_tuned_unid_prob"/>
+          <p:cNvPicPr>
+            <a:picLocks noChangeAspect="1"/>
+          </p:cNvPicPr>
+          <p:nvPr/>
+        </p:nvPicPr>
+        <p:blipFill>
+          <a:blip r:embed="rId1"/>
+          <a:stretch>
+            <a:fillRect/>
+          </a:stretch>
+        </p:blipFill>
+        <p:spPr>
+          <a:xfrm>
+            <a:off x="1197610" y="1842135"/>
+            <a:ext cx="4588510" cy="3599180"/>
+          </a:xfrm>
+          <a:prstGeom prst="rect">
+            <a:avLst/>
+          </a:prstGeom>
+        </p:spPr>
+      </p:pic>
     </p:spTree>
   </p:cSld>
   <p:clrMapOvr>
